--- a/Presentation.pptx
+++ b/Presentation.pptx
@@ -106,6 +106,11 @@
       </a:defRPr>
     </a:lvl9pPr>
   </p:defaultTextStyle>
+  <p:extLst>
+    <p:ext uri="{EFAFB233-063F-42B5-8137-9DF3F51BA10A}">
+      <p15:sldGuideLst xmlns:p15="http://schemas.microsoft.com/office/powerpoint/2012/main"/>
+    </p:ext>
+  </p:extLst>
 </p:presentation>
 </file>
 
@@ -8607,7 +8612,7 @@
                   <a:schemeClr val="bg1"/>
                 </a:solidFill>
               </a:rPr>
-              <a:t>We take the set and go through it to make a tuple for each attribute and a set of it’s IND</a:t>
+              <a:t>We take the set and go through it to make a tuple for each attribute and is a key and has a set of it’s IND</a:t>
             </a:r>
           </a:p>
           <a:p>

--- a/Presentation.pptx
+++ b/Presentation.pptx
@@ -5136,36 +5136,6 @@
           </a:p>
         </p:txBody>
       </p:sp>
-      <p:pic>
-        <p:nvPicPr>
-          <p:cNvPr id="5" name="Picture 4">
-            <a:extLst>
-              <a:ext uri="{FF2B5EF4-FFF2-40B4-BE49-F238E27FC236}">
-                <a16:creationId xmlns:a16="http://schemas.microsoft.com/office/drawing/2014/main" id="{572F68F2-11F0-45D7-F48C-27E2FD219553}"/>
-              </a:ext>
-            </a:extLst>
-          </p:cNvPr>
-          <p:cNvPicPr>
-            <a:picLocks noChangeAspect="1"/>
-          </p:cNvPicPr>
-          <p:nvPr/>
-        </p:nvPicPr>
-        <p:blipFill>
-          <a:blip r:embed="rId2"/>
-          <a:stretch>
-            <a:fillRect/>
-          </a:stretch>
-        </p:blipFill>
-        <p:spPr>
-          <a:xfrm>
-            <a:off x="631359" y="1003451"/>
-            <a:ext cx="10843065" cy="2493903"/>
-          </a:xfrm>
-          <a:prstGeom prst="rect">
-            <a:avLst/>
-          </a:prstGeom>
-        </p:spPr>
-      </p:pic>
       <p:grpSp>
         <p:nvGrpSpPr>
           <p:cNvPr id="44" name="Group 43">
@@ -5426,6 +5396,36 @@
           </p:style>
         </p:cxnSp>
       </p:grpSp>
+      <p:pic>
+        <p:nvPicPr>
+          <p:cNvPr id="6" name="Picture 5">
+            <a:extLst>
+              <a:ext uri="{FF2B5EF4-FFF2-40B4-BE49-F238E27FC236}">
+                <a16:creationId xmlns:a16="http://schemas.microsoft.com/office/drawing/2014/main" id="{EC564729-6404-BE19-1410-884F2516013E}"/>
+              </a:ext>
+            </a:extLst>
+          </p:cNvPr>
+          <p:cNvPicPr>
+            <a:picLocks noChangeAspect="1"/>
+          </p:cNvPicPr>
+          <p:nvPr/>
+        </p:nvPicPr>
+        <p:blipFill>
+          <a:blip r:embed="rId2"/>
+          <a:stretch>
+            <a:fillRect/>
+          </a:stretch>
+        </p:blipFill>
+        <p:spPr>
+          <a:xfrm>
+            <a:off x="616853" y="592833"/>
+            <a:ext cx="11052611" cy="2695759"/>
+          </a:xfrm>
+          <a:prstGeom prst="rect">
+            <a:avLst/>
+          </a:prstGeom>
+        </p:spPr>
+      </p:pic>
     </p:spTree>
     <p:extLst>
       <p:ext uri="{BB962C8B-B14F-4D97-AF65-F5344CB8AC3E}">
@@ -6899,36 +6899,6 @@
           </p:style>
         </p:cxnSp>
       </p:grpSp>
-      <p:pic>
-        <p:nvPicPr>
-          <p:cNvPr id="7" name="Picture 6">
-            <a:extLst>
-              <a:ext uri="{FF2B5EF4-FFF2-40B4-BE49-F238E27FC236}">
-                <a16:creationId xmlns:a16="http://schemas.microsoft.com/office/drawing/2014/main" id="{585D2C35-5D93-113F-0F80-EEA03EFFEBDD}"/>
-              </a:ext>
-            </a:extLst>
-          </p:cNvPr>
-          <p:cNvPicPr>
-            <a:picLocks noChangeAspect="1"/>
-          </p:cNvPicPr>
-          <p:nvPr/>
-        </p:nvPicPr>
-        <p:blipFill>
-          <a:blip r:embed="rId2"/>
-          <a:stretch>
-            <a:fillRect/>
-          </a:stretch>
-        </p:blipFill>
-        <p:spPr>
-          <a:xfrm>
-            <a:off x="2057422" y="1574957"/>
-            <a:ext cx="8220135" cy="1495436"/>
-          </a:xfrm>
-          <a:prstGeom prst="rect">
-            <a:avLst/>
-          </a:prstGeom>
-        </p:spPr>
-      </p:pic>
       <p:sp>
         <p:nvSpPr>
           <p:cNvPr id="9" name="TextBox 8">
@@ -7057,6 +7027,36 @@
           </a:p>
         </p:txBody>
       </p:sp>
+      <p:pic>
+        <p:nvPicPr>
+          <p:cNvPr id="4" name="Picture 3">
+            <a:extLst>
+              <a:ext uri="{FF2B5EF4-FFF2-40B4-BE49-F238E27FC236}">
+                <a16:creationId xmlns:a16="http://schemas.microsoft.com/office/drawing/2014/main" id="{4ADD1F8C-B718-7A1B-3BFA-5D1BE661DD67}"/>
+              </a:ext>
+            </a:extLst>
+          </p:cNvPr>
+          <p:cNvPicPr>
+            <a:picLocks noChangeAspect="1"/>
+          </p:cNvPicPr>
+          <p:nvPr/>
+        </p:nvPicPr>
+        <p:blipFill>
+          <a:blip r:embed="rId2"/>
+          <a:stretch>
+            <a:fillRect/>
+          </a:stretch>
+        </p:blipFill>
+        <p:spPr>
+          <a:xfrm>
+            <a:off x="1467605" y="1398231"/>
+            <a:ext cx="9637790" cy="1737616"/>
+          </a:xfrm>
+          <a:prstGeom prst="rect">
+            <a:avLst/>
+          </a:prstGeom>
+        </p:spPr>
+      </p:pic>
     </p:spTree>
     <p:extLst>
       <p:ext uri="{BB962C8B-B14F-4D97-AF65-F5344CB8AC3E}">
@@ -8530,36 +8530,6 @@
           </p:style>
         </p:cxnSp>
       </p:grpSp>
-      <p:pic>
-        <p:nvPicPr>
-          <p:cNvPr id="5" name="Picture 4">
-            <a:extLst>
-              <a:ext uri="{FF2B5EF4-FFF2-40B4-BE49-F238E27FC236}">
-                <a16:creationId xmlns:a16="http://schemas.microsoft.com/office/drawing/2014/main" id="{CCC7EB53-841D-A896-C901-CC739D193A2C}"/>
-              </a:ext>
-            </a:extLst>
-          </p:cNvPr>
-          <p:cNvPicPr>
-            <a:picLocks noChangeAspect="1"/>
-          </p:cNvPicPr>
-          <p:nvPr/>
-        </p:nvPicPr>
-        <p:blipFill>
-          <a:blip r:embed="rId2"/>
-          <a:stretch>
-            <a:fillRect/>
-          </a:stretch>
-        </p:blipFill>
-        <p:spPr>
-          <a:xfrm>
-            <a:off x="1665318" y="1730355"/>
-            <a:ext cx="8858315" cy="1366847"/>
-          </a:xfrm>
-          <a:prstGeom prst="rect">
-            <a:avLst/>
-          </a:prstGeom>
-        </p:spPr>
-      </p:pic>
       <p:sp>
         <p:nvSpPr>
           <p:cNvPr id="7" name="TextBox 6">
@@ -8707,7 +8677,7 @@
           <p:nvPr/>
         </p:nvPicPr>
         <p:blipFill>
-          <a:blip r:embed="rId3"/>
+          <a:blip r:embed="rId2"/>
           <a:stretch>
             <a:fillRect/>
           </a:stretch>
@@ -8716,6 +8686,36 @@
           <a:xfrm>
             <a:off x="1616338" y="5243444"/>
             <a:ext cx="9000683" cy="755753"/>
+          </a:xfrm>
+          <a:prstGeom prst="rect">
+            <a:avLst/>
+          </a:prstGeom>
+        </p:spPr>
+      </p:pic>
+      <p:pic>
+        <p:nvPicPr>
+          <p:cNvPr id="4" name="Picture 3">
+            <a:extLst>
+              <a:ext uri="{FF2B5EF4-FFF2-40B4-BE49-F238E27FC236}">
+                <a16:creationId xmlns:a16="http://schemas.microsoft.com/office/drawing/2014/main" id="{DCCDDECD-4A27-2921-AE59-8EEDB8C2B6FB}"/>
+              </a:ext>
+            </a:extLst>
+          </p:cNvPr>
+          <p:cNvPicPr>
+            <a:picLocks noChangeAspect="1"/>
+          </p:cNvPicPr>
+          <p:nvPr/>
+        </p:nvPicPr>
+        <p:blipFill>
+          <a:blip r:embed="rId3"/>
+          <a:stretch>
+            <a:fillRect/>
+          </a:stretch>
+        </p:blipFill>
+        <p:spPr>
+          <a:xfrm>
+            <a:off x="1533786" y="1664929"/>
+            <a:ext cx="9303830" cy="1563669"/>
           </a:xfrm>
           <a:prstGeom prst="rect">
             <a:avLst/>
